--- a/folien/week3.pptx
+++ b/folien/week3.pptx
@@ -13,8 +13,8 @@
     <p:sldId id="276" r:id="rId4"/>
     <p:sldId id="273" r:id="rId5"/>
     <p:sldId id="272" r:id="rId6"/>
-    <p:sldId id="277" r:id="rId7"/>
-    <p:sldId id="285" r:id="rId8"/>
+    <p:sldId id="285" r:id="rId7"/>
+    <p:sldId id="277" r:id="rId8"/>
     <p:sldId id="264" r:id="rId9"/>
     <p:sldId id="280" r:id="rId10"/>
     <p:sldId id="284" r:id="rId11"/>
@@ -132,8 +132,8 @@
             <p14:sldId id="276"/>
             <p14:sldId id="273"/>
             <p14:sldId id="272"/>
+            <p14:sldId id="285"/>
             <p14:sldId id="277"/>
-            <p14:sldId id="285"/>
             <p14:sldId id="264"/>
             <p14:sldId id="280"/>
             <p14:sldId id="284"/>
@@ -247,7 +247,7 @@
           <a:p>
             <a:fld id="{21C000D9-2858-4F4C-AF5C-64F79A7C2410}" type="datetimeFigureOut">
               <a:rPr lang="en-US" smtClean="0"/>
-              <a:t>4/27/2021</a:t>
+              <a:t>4/28/2021</a:t>
             </a:fld>
             <a:endParaRPr lang="en-US"/>
           </a:p>
@@ -702,9 +702,68 @@
           <a:lstStyle/>
           <a:p>
             <a:r>
+              <a:rPr lang="de-DE" dirty="0" err="1"/>
+              <a:t>Induct</a:t>
+            </a:r>
+            <a:r>
               <a:rPr lang="de-DE" dirty="0"/>
-              <a:t>Standards?</a:t>
-            </a:r>
+              <a:t> </a:t>
+            </a:r>
+            <a:r>
+              <a:rPr lang="de-DE" dirty="0" err="1"/>
+              <a:t>Hypotheses</a:t>
+            </a:r>
+            <a:r>
+              <a:rPr lang="de-DE" dirty="0"/>
+              <a:t> </a:t>
+            </a:r>
+            <a:r>
+              <a:rPr lang="de-DE" dirty="0" err="1"/>
+              <a:t>from</a:t>
+            </a:r>
+            <a:r>
+              <a:rPr lang="de-DE" dirty="0"/>
+              <a:t> explorative </a:t>
+            </a:r>
+            <a:r>
+              <a:rPr lang="de-DE" dirty="0" err="1"/>
+              <a:t>observations</a:t>
+            </a:r>
+            <a:endParaRPr lang="de-DE" dirty="0"/>
+          </a:p>
+          <a:p>
+            <a:r>
+              <a:rPr lang="de-DE" dirty="0" err="1"/>
+              <a:t>Deduct</a:t>
+            </a:r>
+            <a:r>
+              <a:rPr lang="de-DE" dirty="0"/>
+              <a:t> </a:t>
+            </a:r>
+            <a:r>
+              <a:rPr lang="de-DE" dirty="0" err="1"/>
+              <a:t>predictions</a:t>
+            </a:r>
+            <a:r>
+              <a:rPr lang="de-DE" dirty="0"/>
+              <a:t> </a:t>
+            </a:r>
+            <a:r>
+              <a:rPr lang="de-DE" dirty="0" err="1"/>
+              <a:t>from</a:t>
+            </a:r>
+            <a:r>
+              <a:rPr lang="de-DE" dirty="0"/>
+              <a:t> </a:t>
+            </a:r>
+            <a:r>
+              <a:rPr lang="de-DE" dirty="0" err="1"/>
+              <a:t>hypothesis</a:t>
+            </a:r>
+            <a:endParaRPr lang="de-DE" dirty="0"/>
+          </a:p>
+          <a:p>
+            <a:endParaRPr lang="de-DE" dirty="0"/>
           </a:p>
         </p:txBody>
       </p:sp>
@@ -725,6 +784,93 @@
           <a:p>
             <a:fld id="{C347FAF7-5C4E-4642-B377-C3A2CDCC9DA1}" type="slidenum">
               <a:rPr lang="en-US" smtClean="0"/>
+              <a:t>5</a:t>
+            </a:fld>
+            <a:endParaRPr lang="en-US"/>
+          </a:p>
+        </p:txBody>
+      </p:sp>
+    </p:spTree>
+    <p:extLst>
+      <p:ext uri="{BB962C8B-B14F-4D97-AF65-F5344CB8AC3E}">
+        <p14:creationId xmlns:p14="http://schemas.microsoft.com/office/powerpoint/2010/main" val="1491265323"/>
+      </p:ext>
+    </p:extLst>
+  </p:cSld>
+  <p:clrMapOvr>
+    <a:masterClrMapping/>
+  </p:clrMapOvr>
+</p:notes>
+</file>
+
+<file path=ppt/notesSlides/notesSlide3.xml><?xml version="1.0" encoding="utf-8"?>
+<p:notes xmlns:a="http://schemas.openxmlformats.org/drawingml/2006/main" xmlns:r="http://schemas.openxmlformats.org/officeDocument/2006/relationships" xmlns:p="http://schemas.openxmlformats.org/presentationml/2006/main">
+  <p:cSld>
+    <p:spTree>
+      <p:nvGrpSpPr>
+        <p:cNvPr id="1" name=""/>
+        <p:cNvGrpSpPr/>
+        <p:nvPr/>
+      </p:nvGrpSpPr>
+      <p:grpSpPr>
+        <a:xfrm>
+          <a:off x="0" y="0"/>
+          <a:ext cx="0" cy="0"/>
+          <a:chOff x="0" y="0"/>
+          <a:chExt cx="0" cy="0"/>
+        </a:xfrm>
+      </p:grpSpPr>
+      <p:sp>
+        <p:nvSpPr>
+          <p:cNvPr id="2" name="Slide Image Placeholder 1"/>
+          <p:cNvSpPr>
+            <a:spLocks noGrp="1" noRot="1" noChangeAspect="1"/>
+          </p:cNvSpPr>
+          <p:nvPr>
+            <p:ph type="sldImg"/>
+          </p:nvPr>
+        </p:nvSpPr>
+        <p:spPr/>
+      </p:sp>
+      <p:sp>
+        <p:nvSpPr>
+          <p:cNvPr id="3" name="Notes Placeholder 2"/>
+          <p:cNvSpPr>
+            <a:spLocks noGrp="1"/>
+          </p:cNvSpPr>
+          <p:nvPr>
+            <p:ph type="body" idx="1"/>
+          </p:nvPr>
+        </p:nvSpPr>
+        <p:spPr/>
+        <p:txBody>
+          <a:bodyPr/>
+          <a:lstStyle/>
+          <a:p>
+            <a:r>
+              <a:rPr lang="de-DE" dirty="0"/>
+              <a:t>Standards?</a:t>
+            </a:r>
+          </a:p>
+        </p:txBody>
+      </p:sp>
+      <p:sp>
+        <p:nvSpPr>
+          <p:cNvPr id="4" name="Slide Number Placeholder 3"/>
+          <p:cNvSpPr>
+            <a:spLocks noGrp="1"/>
+          </p:cNvSpPr>
+          <p:nvPr>
+            <p:ph type="sldNum" sz="quarter" idx="5"/>
+          </p:nvPr>
+        </p:nvSpPr>
+        <p:spPr/>
+        <p:txBody>
+          <a:bodyPr/>
+          <a:lstStyle/>
+          <a:p>
+            <a:fld id="{C347FAF7-5C4E-4642-B377-C3A2CDCC9DA1}" type="slidenum">
+              <a:rPr lang="en-US" smtClean="0"/>
               <a:t>8</a:t>
             </a:fld>
             <a:endParaRPr lang="en-US"/>
@@ -744,7 +890,7 @@
 </p:notes>
 </file>
 
-<file path=ppt/notesSlides/notesSlide3.xml><?xml version="1.0" encoding="utf-8"?>
+<file path=ppt/notesSlides/notesSlide4.xml><?xml version="1.0" encoding="utf-8"?>
 <p:notes xmlns:a="http://schemas.openxmlformats.org/drawingml/2006/main" xmlns:r="http://schemas.openxmlformats.org/officeDocument/2006/relationships" xmlns:p="http://schemas.openxmlformats.org/presentationml/2006/main">
   <p:cSld>
     <p:spTree>
@@ -3454,7 +3600,7 @@
                 <a:latin typeface="Arial" panose="020B0604020202020204" pitchFamily="34" charset="0"/>
                 <a:cs typeface="Arial" panose="020B0604020202020204" pitchFamily="34" charset="0"/>
               </a:rPr>
-              <a:t>27.04.21</a:t>
+              <a:t>28.04.21</a:t>
             </a:r>
           </a:p>
         </p:txBody>
@@ -3543,7 +3689,11 @@
               <a:buAutoNum type="arabicPeriod"/>
             </a:pPr>
             <a:r>
-              <a:rPr lang="de-DE" sz="1400" dirty="0"/>
+              <a:rPr lang="de-DE" sz="1400" dirty="0">
+                <a:solidFill>
+                  <a:schemeClr val="tx1"/>
+                </a:solidFill>
+              </a:rPr>
               <a:t>Inhaltliche Relevanz</a:t>
             </a:r>
           </a:p>
@@ -3553,7 +3703,11 @@
               <a:buAutoNum type="arabicPeriod"/>
             </a:pPr>
             <a:r>
-              <a:rPr lang="de-DE" sz="1400" dirty="0"/>
+              <a:rPr lang="de-DE" sz="1400" dirty="0">
+                <a:solidFill>
+                  <a:schemeClr val="tx1"/>
+                </a:solidFill>
+              </a:rPr>
               <a:t>Methodische Strenge</a:t>
             </a:r>
           </a:p>
@@ -3563,16 +3717,27 @@
               <a:buAutoNum type="arabicPeriod"/>
             </a:pPr>
             <a:r>
-              <a:rPr lang="de-DE" sz="1400" b="1" dirty="0"/>
+              <a:rPr lang="de-DE" sz="1400" b="1" dirty="0">
+                <a:solidFill>
+                  <a:schemeClr val="tx1"/>
+                </a:solidFill>
+              </a:rPr>
               <a:t>Ethische Strenge </a:t>
             </a:r>
             <a:r>
               <a:rPr lang="de-DE" sz="1400" b="1" dirty="0">
+                <a:solidFill>
+                  <a:schemeClr val="tx1"/>
+                </a:solidFill>
                 <a:sym typeface="Wingdings" panose="05000000000000000000" pitchFamily="2" charset="2"/>
               </a:rPr>
               <a:t> Bewertung durch Ethikkommission</a:t>
             </a:r>
-            <a:endParaRPr lang="de-DE" sz="1400" b="1" dirty="0"/>
+            <a:endParaRPr lang="de-DE" sz="1400" b="1" dirty="0">
+              <a:solidFill>
+                <a:schemeClr val="tx1"/>
+              </a:solidFill>
+            </a:endParaRPr>
           </a:p>
           <a:p>
             <a:pPr marL="457200" lvl="0" indent="-457200">
@@ -3580,7 +3745,11 @@
               <a:buAutoNum type="arabicPeriod"/>
             </a:pPr>
             <a:r>
-              <a:rPr lang="de-DE" sz="1400" dirty="0"/>
+              <a:rPr lang="de-DE" sz="1400" dirty="0">
+                <a:solidFill>
+                  <a:schemeClr val="tx1"/>
+                </a:solidFill>
+              </a:rPr>
               <a:t>Präsentationsqualität</a:t>
             </a:r>
           </a:p>
@@ -3588,7 +3757,11 @@
             <a:pPr marL="0" indent="0">
               <a:buNone/>
             </a:pPr>
-            <a:endParaRPr lang="de-DE" sz="1400" dirty="0"/>
+            <a:endParaRPr lang="de-DE" sz="1400" dirty="0">
+              <a:solidFill>
+                <a:schemeClr val="tx1"/>
+              </a:solidFill>
+            </a:endParaRPr>
           </a:p>
           <a:p>
             <a:pPr lvl="0">
@@ -3597,21 +3770,36 @@
             </a:pPr>
             <a:r>
               <a:rPr lang="de-DE" sz="1400" dirty="0">
+                <a:solidFill>
+                  <a:schemeClr val="tx1"/>
+                </a:solidFill>
                 <a:sym typeface="Wingdings" panose="05000000000000000000" pitchFamily="2" charset="2"/>
               </a:rPr>
               <a:t>K</a:t>
             </a:r>
             <a:r>
-              <a:rPr lang="de-DE" sz="1400" dirty="0"/>
+              <a:rPr lang="de-DE" sz="1400" dirty="0">
+                <a:solidFill>
+                  <a:schemeClr val="tx1"/>
+                </a:solidFill>
+              </a:rPr>
               <a:t>ontinuierlich: mehr oder minder gute oder schlechte wissenschaftliche Studie</a:t>
             </a:r>
           </a:p>
           <a:p>
-            <a:endParaRPr lang="de-DE" sz="1400" dirty="0"/>
-          </a:p>
-          <a:p>
-            <a:r>
-              <a:rPr lang="de-DE" sz="1400" dirty="0"/>
+            <a:endParaRPr lang="de-DE" sz="1400" dirty="0">
+              <a:solidFill>
+                <a:schemeClr val="tx1"/>
+              </a:solidFill>
+            </a:endParaRPr>
+          </a:p>
+          <a:p>
+            <a:r>
+              <a:rPr lang="de-DE" sz="1400" dirty="0">
+                <a:solidFill>
+                  <a:schemeClr val="tx1"/>
+                </a:solidFill>
+              </a:rPr>
               <a:t>Was ist eine gute Theorie?:</a:t>
             </a:r>
           </a:p>
@@ -3621,7 +3809,10 @@
               <a:buChar char="-"/>
             </a:pPr>
             <a:r>
-              <a:rPr lang="de-DE" sz="1400" dirty="0"/>
+              <a:rPr lang="de-DE" sz="1400" dirty="0">
+                <a:latin typeface="Arial" panose="020B0604020202020204" pitchFamily="34" charset="0"/>
+                <a:cs typeface="Arial" panose="020B0604020202020204" pitchFamily="34" charset="0"/>
+              </a:rPr>
               <a:t>Mehr als nur empirischen Bewährung </a:t>
             </a:r>
           </a:p>
@@ -3631,7 +3822,10 @@
               <a:buChar char="-"/>
             </a:pPr>
             <a:r>
-              <a:rPr lang="de-DE" sz="1400" dirty="0"/>
+              <a:rPr lang="de-DE" sz="1400" dirty="0">
+                <a:latin typeface="Arial" panose="020B0604020202020204" pitchFamily="34" charset="0"/>
+                <a:cs typeface="Arial" panose="020B0604020202020204" pitchFamily="34" charset="0"/>
+              </a:rPr>
               <a:t>Erklärungskraft! </a:t>
             </a:r>
           </a:p>
@@ -3641,7 +3835,10 @@
               <a:buChar char="-"/>
             </a:pPr>
             <a:r>
-              <a:rPr lang="de-DE" sz="1400" dirty="0"/>
+              <a:rPr lang="de-DE" sz="1400" dirty="0">
+                <a:latin typeface="Arial" panose="020B0604020202020204" pitchFamily="34" charset="0"/>
+                <a:cs typeface="Arial" panose="020B0604020202020204" pitchFamily="34" charset="0"/>
+              </a:rPr>
               <a:t>zahlreiche interessante Hypothesen ableitbar </a:t>
             </a:r>
           </a:p>
@@ -3651,12 +3848,19 @@
               <a:buChar char="-"/>
             </a:pPr>
             <a:r>
-              <a:rPr lang="de-DE" sz="1400" dirty="0"/>
+              <a:rPr lang="de-DE" sz="1400" dirty="0">
+                <a:latin typeface="Arial" panose="020B0604020202020204" pitchFamily="34" charset="0"/>
+                <a:cs typeface="Arial" panose="020B0604020202020204" pitchFamily="34" charset="0"/>
+              </a:rPr>
               <a:t>innovative Ideen für die Forschung zu gewinnen </a:t>
             </a:r>
           </a:p>
           <a:p>
-            <a:endParaRPr lang="de-DE" sz="1400" dirty="0"/>
+            <a:endParaRPr lang="de-DE" sz="1400" dirty="0">
+              <a:solidFill>
+                <a:schemeClr val="tx1"/>
+              </a:solidFill>
+            </a:endParaRPr>
           </a:p>
         </p:txBody>
       </p:sp>
@@ -3740,87 +3944,87 @@
           <a:lstStyle/>
           <a:p>
             <a:r>
-              <a:rPr lang="de-DE" sz="1800" b="1" dirty="0"/>
+              <a:rPr lang="de-DE" sz="1600" b="1" dirty="0"/>
               <a:t>Zuverlässigkeit</a:t>
             </a:r>
             <a:r>
-              <a:rPr lang="de-DE" sz="1800" dirty="0"/>
+              <a:rPr lang="de-DE" sz="1600" dirty="0"/>
               <a:t> (</a:t>
             </a:r>
             <a:r>
-              <a:rPr lang="de-DE" sz="1800" dirty="0" err="1"/>
+              <a:rPr lang="de-DE" sz="1600" dirty="0" err="1"/>
               <a:t>Reliability</a:t>
             </a:r>
             <a:r>
-              <a:rPr lang="de-DE" sz="1800" dirty="0"/>
+              <a:rPr lang="de-DE" sz="1600" dirty="0"/>
               <a:t>) bei Qualitätssicherung der Forschung</a:t>
             </a:r>
           </a:p>
           <a:p>
             <a:r>
-              <a:rPr lang="de-DE" sz="1800" b="1" dirty="0"/>
+              <a:rPr lang="de-DE" sz="1600" b="1" dirty="0"/>
               <a:t>Ehrlichkeit </a:t>
             </a:r>
             <a:r>
-              <a:rPr lang="de-DE" sz="1800" dirty="0"/>
+              <a:rPr lang="de-DE" sz="1600" dirty="0"/>
               <a:t>(</a:t>
             </a:r>
             <a:r>
-              <a:rPr lang="de-DE" sz="1800" dirty="0" err="1"/>
+              <a:rPr lang="de-DE" sz="1600" dirty="0" err="1"/>
               <a:t>Honesty</a:t>
             </a:r>
             <a:r>
-              <a:rPr lang="de-DE" sz="1800" dirty="0"/>
+              <a:rPr lang="de-DE" sz="1600" dirty="0"/>
               <a:t>) bei allen Schritten wissenschaftlichen Arbeitens</a:t>
             </a:r>
           </a:p>
           <a:p>
             <a:r>
-              <a:rPr lang="de-DE" sz="1800" b="1" dirty="0"/>
+              <a:rPr lang="de-DE" sz="1600" b="1" dirty="0"/>
               <a:t>Respekt</a:t>
             </a:r>
             <a:r>
-              <a:rPr lang="de-DE" sz="1800" dirty="0"/>
+              <a:rPr lang="de-DE" sz="1600" dirty="0"/>
               <a:t> (</a:t>
             </a:r>
             <a:r>
-              <a:rPr lang="de-DE" sz="1800" dirty="0" err="1"/>
+              <a:rPr lang="de-DE" sz="1600" dirty="0" err="1"/>
               <a:t>Respect</a:t>
             </a:r>
             <a:r>
-              <a:rPr lang="de-DE" sz="1800" dirty="0"/>
+              <a:rPr lang="de-DE" sz="1600" dirty="0"/>
               <a:t>) für Kollegen, Gesellschaft, Ökosystemen, Umwelt…</a:t>
             </a:r>
           </a:p>
           <a:p>
             <a:r>
-              <a:rPr lang="de-DE" sz="1800" b="1" dirty="0"/>
+              <a:rPr lang="de-DE" sz="1600" b="1" dirty="0"/>
               <a:t>Verantwortung</a:t>
             </a:r>
             <a:r>
-              <a:rPr lang="de-DE" sz="1800" dirty="0"/>
+              <a:rPr lang="de-DE" sz="1600" dirty="0"/>
               <a:t> (</a:t>
             </a:r>
             <a:r>
-              <a:rPr lang="de-DE" sz="1800" dirty="0" err="1"/>
+              <a:rPr lang="de-DE" sz="1600" dirty="0" err="1"/>
               <a:t>Accountability</a:t>
             </a:r>
             <a:r>
-              <a:rPr lang="de-DE" sz="1800" dirty="0"/>
+              <a:rPr lang="de-DE" sz="1600" dirty="0"/>
               <a:t>) für die Forschung von der Idee bis zur Veröffentlichung</a:t>
             </a:r>
           </a:p>
           <a:p>
-            <a:endParaRPr lang="de-DE" sz="1800" dirty="0"/>
-          </a:p>
-          <a:p>
-            <a:r>
-              <a:rPr lang="de-DE" sz="1800" dirty="0">
+            <a:endParaRPr lang="de-DE" sz="1600" dirty="0"/>
+          </a:p>
+          <a:p>
+            <a:r>
+              <a:rPr lang="de-DE" sz="1600" dirty="0">
                 <a:hlinkClick r:id="rId2"/>
               </a:rPr>
               <a:t>https://www.tu-dortmund.de/forschung/forschungsethik/gute-wissenschaftliche-praxis/</a:t>
             </a:r>
-            <a:endParaRPr lang="de-DE" sz="1800" dirty="0"/>
+            <a:endParaRPr lang="de-DE" sz="1600" dirty="0"/>
           </a:p>
         </p:txBody>
       </p:sp>
@@ -3904,34 +4108,34 @@
           <a:lstStyle/>
           <a:p>
             <a:r>
-              <a:rPr lang="de-DE" sz="2000" dirty="0"/>
+              <a:rPr lang="de-DE" sz="1600" dirty="0"/>
               <a:t>Deutsche Forschungsgemeinschaft (DFG): Leitlinien guter wissenschaftlicher Praxis </a:t>
             </a:r>
           </a:p>
           <a:p>
             <a:r>
-              <a:rPr lang="en-US" sz="2000" dirty="0"/>
+              <a:rPr lang="en-US" sz="1600" dirty="0"/>
               <a:t>The European Code of Conduct for Research Integrity</a:t>
             </a:r>
-            <a:endParaRPr lang="de-DE" sz="2000" dirty="0"/>
-          </a:p>
-          <a:p>
-            <a:r>
-              <a:rPr lang="de-DE" sz="2000" dirty="0">
+            <a:endParaRPr lang="de-DE" sz="1600" dirty="0"/>
+          </a:p>
+          <a:p>
+            <a:r>
+              <a:rPr lang="de-DE" sz="1600" dirty="0">
                 <a:hlinkClick r:id="rId2"/>
               </a:rPr>
               <a:t>https://www.tu-dortmund.de/forschung/forschungsethik/gute-wissenschaftliche-praxis/</a:t>
             </a:r>
-            <a:endParaRPr lang="de-DE" sz="2000" dirty="0"/>
-          </a:p>
-          <a:p>
-            <a:r>
-              <a:rPr lang="de-DE" sz="2000" dirty="0"/>
+            <a:endParaRPr lang="de-DE" sz="1600" dirty="0"/>
+          </a:p>
+          <a:p>
+            <a:r>
+              <a:rPr lang="de-DE" sz="1600" dirty="0"/>
               <a:t>Fachzeitschriften</a:t>
             </a:r>
           </a:p>
           <a:p>
-            <a:endParaRPr lang="de-DE" sz="2000" dirty="0"/>
+            <a:endParaRPr lang="de-DE" sz="1600" dirty="0"/>
           </a:p>
         </p:txBody>
       </p:sp>
@@ -4015,53 +4219,53 @@
           <a:lstStyle/>
           <a:p>
             <a:r>
-              <a:rPr lang="de-DE" sz="1600" dirty="0"/>
+              <a:rPr lang="de-DE" sz="1400" dirty="0"/>
               <a:t>Wissenschaftsfälschung</a:t>
             </a:r>
           </a:p>
           <a:p>
             <a:pPr lvl="1"/>
             <a:r>
-              <a:rPr lang="de-DE" sz="2000" dirty="0"/>
+              <a:rPr lang="de-DE" sz="1800" dirty="0"/>
               <a:t>E.g. </a:t>
             </a:r>
             <a:r>
-              <a:rPr lang="de-DE" sz="2000" dirty="0" err="1"/>
+              <a:rPr lang="de-DE" sz="1800" dirty="0" err="1"/>
               <a:t>Diederik</a:t>
             </a:r>
             <a:r>
-              <a:rPr lang="de-DE" sz="2000" dirty="0"/>
+              <a:rPr lang="de-DE" sz="1800" dirty="0"/>
               <a:t> Stapel, </a:t>
             </a:r>
             <a:r>
-              <a:rPr lang="de-DE" sz="2000" dirty="0">
+              <a:rPr lang="de-DE" sz="1800" dirty="0">
                 <a:hlinkClick r:id="rId2"/>
               </a:rPr>
               <a:t>https://www.deutschlandfunknova.de/beitrag/betrug-ein-wissenschaftler-f%C3%A4lscht-forschungsdaten</a:t>
             </a:r>
-            <a:endParaRPr lang="de-DE" sz="2000" dirty="0"/>
-          </a:p>
-          <a:p>
-            <a:r>
-              <a:rPr lang="de-DE" sz="1600" dirty="0" err="1"/>
+            <a:endParaRPr lang="de-DE" sz="1800" dirty="0"/>
+          </a:p>
+          <a:p>
+            <a:r>
+              <a:rPr lang="de-DE" sz="1400" dirty="0" err="1"/>
               <a:t>Plagiarismus</a:t>
             </a:r>
-            <a:endParaRPr lang="de-DE" sz="1600" dirty="0"/>
+            <a:endParaRPr lang="de-DE" sz="1400" dirty="0"/>
           </a:p>
           <a:p>
             <a:pPr marL="0" indent="0">
               <a:buNone/>
             </a:pPr>
-            <a:endParaRPr lang="de-DE" sz="1600" dirty="0"/>
+            <a:endParaRPr lang="de-DE" sz="1400" dirty="0"/>
           </a:p>
           <a:p>
             <a:pPr marL="0" indent="0">
               <a:buNone/>
             </a:pPr>
-            <a:endParaRPr lang="de-DE" sz="1600" dirty="0"/>
-          </a:p>
-          <a:p>
-            <a:endParaRPr lang="de-DE" sz="1600" dirty="0"/>
+            <a:endParaRPr lang="de-DE" sz="1400" dirty="0"/>
+          </a:p>
+          <a:p>
+            <a:endParaRPr lang="de-DE" sz="1400" dirty="0"/>
           </a:p>
         </p:txBody>
       </p:sp>
@@ -4117,13 +4321,13 @@
           <a:lstStyle/>
           <a:p>
             <a:r>
-              <a:rPr lang="de-DE" sz="2800" dirty="0"/>
+              <a:rPr lang="de-DE" sz="2400" dirty="0"/>
               <a:t>Wann kommt wissenschaftliches Wissen an seine Grenzen?</a:t>
             </a:r>
             <a:br>
-              <a:rPr lang="de-DE" sz="2800" dirty="0"/>
+              <a:rPr lang="de-DE" sz="2400" dirty="0"/>
             </a:br>
-            <a:endParaRPr lang="de-DE" sz="2800" dirty="0"/>
+            <a:endParaRPr lang="de-DE" sz="2400" dirty="0"/>
           </a:p>
         </p:txBody>
       </p:sp>
@@ -4419,7 +4623,7 @@
           <a:p>
             <a:r>
               <a:rPr lang="de-DE" sz="1600" kern="0" dirty="0"/>
-              <a:t>Setzen Sie sich zu zweit zusammen, suchen Sie sich einen thematischen Schwerpunkt aus (oder ordnen Sie sich gleich einem Thema zu – 4 Personen pro Thema)</a:t>
+              <a:t>Setzen Sie sich zu zweit zusammen, suchen Sie sich einen thematischen Schwerpunkt aus (oder ordnen Sie sich gleich einem Thema zu – 2 Personen pro Thema)</a:t>
             </a:r>
           </a:p>
           <a:p>
@@ -5299,12 +5503,6 @@
             </a:r>
           </a:p>
           <a:p>
-            <a:r>
-              <a:rPr lang="de-DE" sz="1400" dirty="0"/>
-              <a:t>qualitativ</a:t>
-            </a:r>
-          </a:p>
-          <a:p>
             <a:pPr marL="0" indent="0">
               <a:buNone/>
             </a:pPr>
@@ -5323,12 +5521,6 @@
             <a:r>
               <a:rPr lang="de-DE" sz="1400" dirty="0"/>
               <a:t>von Theorien auf empirische Daten, die von der Theorie vorhergesagt werden</a:t>
-            </a:r>
-          </a:p>
-          <a:p>
-            <a:r>
-              <a:rPr lang="de-DE" sz="1400" dirty="0"/>
-              <a:t>quantitativ</a:t>
             </a:r>
           </a:p>
         </p:txBody>
@@ -5347,6 +5539,144 @@
 </file>
 
 <file path=ppt/slides/slide6.xml><?xml version="1.0" encoding="utf-8"?>
+<p:sld xmlns:a="http://schemas.openxmlformats.org/drawingml/2006/main" xmlns:r="http://schemas.openxmlformats.org/officeDocument/2006/relationships" xmlns:p="http://schemas.openxmlformats.org/presentationml/2006/main">
+  <p:cSld>
+    <p:spTree>
+      <p:nvGrpSpPr>
+        <p:cNvPr id="1" name=""/>
+        <p:cNvGrpSpPr/>
+        <p:nvPr/>
+      </p:nvGrpSpPr>
+      <p:grpSpPr>
+        <a:xfrm>
+          <a:off x="0" y="0"/>
+          <a:ext cx="0" cy="0"/>
+          <a:chOff x="0" y="0"/>
+          <a:chExt cx="0" cy="0"/>
+        </a:xfrm>
+      </p:grpSpPr>
+      <p:sp>
+        <p:nvSpPr>
+          <p:cNvPr id="2" name="Title 1">
+            <a:extLst>
+              <a:ext uri="{FF2B5EF4-FFF2-40B4-BE49-F238E27FC236}">
+                <a16:creationId xmlns:a16="http://schemas.microsoft.com/office/drawing/2014/main" id="{19C536AB-9658-4705-8346-7647E0A1306C}"/>
+              </a:ext>
+            </a:extLst>
+          </p:cNvPr>
+          <p:cNvSpPr>
+            <a:spLocks noGrp="1"/>
+          </p:cNvSpPr>
+          <p:nvPr>
+            <p:ph type="title"/>
+          </p:nvPr>
+        </p:nvSpPr>
+        <p:spPr/>
+        <p:txBody>
+          <a:bodyPr/>
+          <a:lstStyle/>
+          <a:p>
+            <a:endParaRPr lang="de-DE"/>
+          </a:p>
+        </p:txBody>
+      </p:sp>
+      <p:sp>
+        <p:nvSpPr>
+          <p:cNvPr id="3" name="Text Placeholder 2">
+            <a:extLst>
+              <a:ext uri="{FF2B5EF4-FFF2-40B4-BE49-F238E27FC236}">
+                <a16:creationId xmlns:a16="http://schemas.microsoft.com/office/drawing/2014/main" id="{CDE69785-4202-44F5-A764-58043541962F}"/>
+              </a:ext>
+            </a:extLst>
+          </p:cNvPr>
+          <p:cNvSpPr>
+            <a:spLocks noGrp="1"/>
+          </p:cNvSpPr>
+          <p:nvPr>
+            <p:ph type="body" sz="quarter" idx="10"/>
+          </p:nvPr>
+        </p:nvSpPr>
+        <p:spPr/>
+        <p:txBody>
+          <a:bodyPr/>
+          <a:lstStyle/>
+          <a:p>
+            <a:endParaRPr lang="de-DE"/>
+          </a:p>
+        </p:txBody>
+      </p:sp>
+      <p:pic>
+        <p:nvPicPr>
+          <p:cNvPr id="5" name="Picture 4">
+            <a:extLst>
+              <a:ext uri="{FF2B5EF4-FFF2-40B4-BE49-F238E27FC236}">
+                <a16:creationId xmlns:a16="http://schemas.microsoft.com/office/drawing/2014/main" id="{7E5D1225-877C-4048-9097-82A9AE9508F8}"/>
+              </a:ext>
+            </a:extLst>
+          </p:cNvPr>
+          <p:cNvPicPr>
+            <a:picLocks noChangeAspect="1"/>
+          </p:cNvPicPr>
+          <p:nvPr/>
+        </p:nvPicPr>
+        <p:blipFill rotWithShape="1">
+          <a:blip r:embed="rId2"/>
+          <a:srcRect l="1" r="2216" b="54599"/>
+          <a:stretch/>
+        </p:blipFill>
+        <p:spPr>
+          <a:xfrm>
+            <a:off x="-4596" y="843558"/>
+            <a:ext cx="4893857" cy="4176464"/>
+          </a:xfrm>
+          <a:prstGeom prst="rect">
+            <a:avLst/>
+          </a:prstGeom>
+        </p:spPr>
+      </p:pic>
+      <p:pic>
+        <p:nvPicPr>
+          <p:cNvPr id="6" name="Picture 5">
+            <a:extLst>
+              <a:ext uri="{FF2B5EF4-FFF2-40B4-BE49-F238E27FC236}">
+                <a16:creationId xmlns:a16="http://schemas.microsoft.com/office/drawing/2014/main" id="{82E33DC7-E642-4CDC-A4CC-11E95171FCF5}"/>
+              </a:ext>
+            </a:extLst>
+          </p:cNvPr>
+          <p:cNvPicPr>
+            <a:picLocks noChangeAspect="1"/>
+          </p:cNvPicPr>
+          <p:nvPr/>
+        </p:nvPicPr>
+        <p:blipFill rotWithShape="1">
+          <a:blip r:embed="rId2"/>
+          <a:srcRect t="45423"/>
+          <a:stretch/>
+        </p:blipFill>
+        <p:spPr>
+          <a:xfrm>
+            <a:off x="4916655" y="843558"/>
+            <a:ext cx="4191849" cy="4205108"/>
+          </a:xfrm>
+          <a:prstGeom prst="rect">
+            <a:avLst/>
+          </a:prstGeom>
+        </p:spPr>
+      </p:pic>
+    </p:spTree>
+    <p:extLst>
+      <p:ext uri="{BB962C8B-B14F-4D97-AF65-F5344CB8AC3E}">
+        <p14:creationId xmlns:p14="http://schemas.microsoft.com/office/powerpoint/2010/main" val="1137819075"/>
+      </p:ext>
+    </p:extLst>
+  </p:cSld>
+  <p:clrMapOvr>
+    <a:masterClrMapping/>
+  </p:clrMapOvr>
+</p:sld>
+</file>
+
+<file path=ppt/slides/slide7.xml><?xml version="1.0" encoding="utf-8"?>
 <p:sld xmlns:a="http://schemas.openxmlformats.org/drawingml/2006/main" xmlns:r="http://schemas.openxmlformats.org/officeDocument/2006/relationships" xmlns:p="http://schemas.openxmlformats.org/presentationml/2006/main">
   <p:cSld>
     <p:spTree>
@@ -6689,144 +7019,6 @@
 </p:sld>
 </file>
 
-<file path=ppt/slides/slide7.xml><?xml version="1.0" encoding="utf-8"?>
-<p:sld xmlns:a="http://schemas.openxmlformats.org/drawingml/2006/main" xmlns:r="http://schemas.openxmlformats.org/officeDocument/2006/relationships" xmlns:p="http://schemas.openxmlformats.org/presentationml/2006/main">
-  <p:cSld>
-    <p:spTree>
-      <p:nvGrpSpPr>
-        <p:cNvPr id="1" name=""/>
-        <p:cNvGrpSpPr/>
-        <p:nvPr/>
-      </p:nvGrpSpPr>
-      <p:grpSpPr>
-        <a:xfrm>
-          <a:off x="0" y="0"/>
-          <a:ext cx="0" cy="0"/>
-          <a:chOff x="0" y="0"/>
-          <a:chExt cx="0" cy="0"/>
-        </a:xfrm>
-      </p:grpSpPr>
-      <p:sp>
-        <p:nvSpPr>
-          <p:cNvPr id="2" name="Title 1">
-            <a:extLst>
-              <a:ext uri="{FF2B5EF4-FFF2-40B4-BE49-F238E27FC236}">
-                <a16:creationId xmlns:a16="http://schemas.microsoft.com/office/drawing/2014/main" id="{19C536AB-9658-4705-8346-7647E0A1306C}"/>
-              </a:ext>
-            </a:extLst>
-          </p:cNvPr>
-          <p:cNvSpPr>
-            <a:spLocks noGrp="1"/>
-          </p:cNvSpPr>
-          <p:nvPr>
-            <p:ph type="title"/>
-          </p:nvPr>
-        </p:nvSpPr>
-        <p:spPr/>
-        <p:txBody>
-          <a:bodyPr/>
-          <a:lstStyle/>
-          <a:p>
-            <a:endParaRPr lang="de-DE"/>
-          </a:p>
-        </p:txBody>
-      </p:sp>
-      <p:sp>
-        <p:nvSpPr>
-          <p:cNvPr id="3" name="Text Placeholder 2">
-            <a:extLst>
-              <a:ext uri="{FF2B5EF4-FFF2-40B4-BE49-F238E27FC236}">
-                <a16:creationId xmlns:a16="http://schemas.microsoft.com/office/drawing/2014/main" id="{CDE69785-4202-44F5-A764-58043541962F}"/>
-              </a:ext>
-            </a:extLst>
-          </p:cNvPr>
-          <p:cNvSpPr>
-            <a:spLocks noGrp="1"/>
-          </p:cNvSpPr>
-          <p:nvPr>
-            <p:ph type="body" sz="quarter" idx="10"/>
-          </p:nvPr>
-        </p:nvSpPr>
-        <p:spPr/>
-        <p:txBody>
-          <a:bodyPr/>
-          <a:lstStyle/>
-          <a:p>
-            <a:endParaRPr lang="de-DE"/>
-          </a:p>
-        </p:txBody>
-      </p:sp>
-      <p:pic>
-        <p:nvPicPr>
-          <p:cNvPr id="5" name="Picture 4">
-            <a:extLst>
-              <a:ext uri="{FF2B5EF4-FFF2-40B4-BE49-F238E27FC236}">
-                <a16:creationId xmlns:a16="http://schemas.microsoft.com/office/drawing/2014/main" id="{7E5D1225-877C-4048-9097-82A9AE9508F8}"/>
-              </a:ext>
-            </a:extLst>
-          </p:cNvPr>
-          <p:cNvPicPr>
-            <a:picLocks noChangeAspect="1"/>
-          </p:cNvPicPr>
-          <p:nvPr/>
-        </p:nvPicPr>
-        <p:blipFill rotWithShape="1">
-          <a:blip r:embed="rId2"/>
-          <a:srcRect l="1" r="2216" b="54599"/>
-          <a:stretch/>
-        </p:blipFill>
-        <p:spPr>
-          <a:xfrm>
-            <a:off x="-4596" y="843558"/>
-            <a:ext cx="4893857" cy="4176464"/>
-          </a:xfrm>
-          <a:prstGeom prst="rect">
-            <a:avLst/>
-          </a:prstGeom>
-        </p:spPr>
-      </p:pic>
-      <p:pic>
-        <p:nvPicPr>
-          <p:cNvPr id="6" name="Picture 5">
-            <a:extLst>
-              <a:ext uri="{FF2B5EF4-FFF2-40B4-BE49-F238E27FC236}">
-                <a16:creationId xmlns:a16="http://schemas.microsoft.com/office/drawing/2014/main" id="{82E33DC7-E642-4CDC-A4CC-11E95171FCF5}"/>
-              </a:ext>
-            </a:extLst>
-          </p:cNvPr>
-          <p:cNvPicPr>
-            <a:picLocks noChangeAspect="1"/>
-          </p:cNvPicPr>
-          <p:nvPr/>
-        </p:nvPicPr>
-        <p:blipFill rotWithShape="1">
-          <a:blip r:embed="rId2"/>
-          <a:srcRect t="45423"/>
-          <a:stretch/>
-        </p:blipFill>
-        <p:spPr>
-          <a:xfrm>
-            <a:off x="4916655" y="843558"/>
-            <a:ext cx="4191849" cy="4205108"/>
-          </a:xfrm>
-          <a:prstGeom prst="rect">
-            <a:avLst/>
-          </a:prstGeom>
-        </p:spPr>
-      </p:pic>
-    </p:spTree>
-    <p:extLst>
-      <p:ext uri="{BB962C8B-B14F-4D97-AF65-F5344CB8AC3E}">
-        <p14:creationId xmlns:p14="http://schemas.microsoft.com/office/powerpoint/2010/main" val="1137819075"/>
-      </p:ext>
-    </p:extLst>
-  </p:cSld>
-  <p:clrMapOvr>
-    <a:masterClrMapping/>
-  </p:clrMapOvr>
-</p:sld>
-</file>
-
 <file path=ppt/slides/slide8.xml><?xml version="1.0" encoding="utf-8"?>
 <p:sld xmlns:a="http://schemas.openxmlformats.org/drawingml/2006/main" xmlns:r="http://schemas.openxmlformats.org/officeDocument/2006/relationships" xmlns:p="http://schemas.openxmlformats.org/presentationml/2006/main">
   <p:cSld>
@@ -7093,18 +7285,29 @@
               <a:buAutoNum type="arabicPeriod"/>
             </a:pPr>
             <a:r>
-              <a:rPr lang="de-DE" sz="1100" b="1" dirty="0"/>
+              <a:rPr lang="de-DE" sz="1200" b="1" dirty="0">
+                <a:solidFill>
+                  <a:schemeClr val="tx1"/>
+                </a:solidFill>
+              </a:rPr>
               <a:t>Wissenschaftliches Forschungsproblem: </a:t>
             </a:r>
             <a:r>
-              <a:rPr lang="de-DE" sz="1100" dirty="0"/>
+              <a:rPr lang="de-DE" sz="1200" dirty="0">
+                <a:solidFill>
+                  <a:schemeClr val="tx1"/>
+                </a:solidFill>
+              </a:rPr>
               <a:t>empirisch untersuchbare, auf aktuellen wissenschaftlichen Erkenntnisstand aufbauende Sachverhalte</a:t>
             </a:r>
           </a:p>
           <a:p>
             <a:pPr marL="857250" lvl="1" indent="-457200"/>
             <a:r>
-              <a:rPr lang="de-DE" sz="1400" dirty="0"/>
+              <a:rPr lang="de-DE" sz="1200" dirty="0">
+                <a:latin typeface="Arial" panose="020B0604020202020204" pitchFamily="34" charset="0"/>
+                <a:cs typeface="Arial" panose="020B0604020202020204" pitchFamily="34" charset="0"/>
+              </a:rPr>
               <a:t>„Kommunikation mit Außerirdischen“</a:t>
             </a:r>
           </a:p>
@@ -7114,25 +7317,39 @@
               <a:buAutoNum type="arabicPeriod"/>
             </a:pPr>
             <a:r>
-              <a:rPr lang="de-DE" sz="1100" b="1" dirty="0"/>
+              <a:rPr lang="de-DE" sz="1200" b="1" dirty="0">
+                <a:solidFill>
+                  <a:schemeClr val="tx1"/>
+                </a:solidFill>
+              </a:rPr>
               <a:t>Wissenschaftlicher Forschungsprozess: </a:t>
             </a:r>
             <a:r>
-              <a:rPr lang="de-DE" sz="1100" dirty="0"/>
+              <a:rPr lang="de-DE" sz="1200" dirty="0">
+                <a:solidFill>
+                  <a:schemeClr val="tx1"/>
+                </a:solidFill>
+              </a:rPr>
               <a:t>strukturierter Forschungsprozess mit Einsatz etablierter Forschungsmethoden </a:t>
             </a:r>
           </a:p>
           <a:p>
             <a:pPr marL="857250" lvl="1" indent="-457200"/>
             <a:r>
-              <a:rPr lang="de-DE" sz="1400" dirty="0"/>
+              <a:rPr lang="de-DE" sz="1200" dirty="0">
+                <a:latin typeface="Arial" panose="020B0604020202020204" pitchFamily="34" charset="0"/>
+                <a:cs typeface="Arial" panose="020B0604020202020204" pitchFamily="34" charset="0"/>
+              </a:rPr>
               <a:t>z.B. Technik der systematischen Literaturrecherche in wissenschaftlichen Literatur-Datenbanken; Nutzung einer wissenschaftlichen Methode der Datenanalyse</a:t>
             </a:r>
           </a:p>
           <a:p>
             <a:pPr marL="857250" lvl="1" indent="-457200"/>
             <a:r>
-              <a:rPr lang="de-DE" sz="1400" dirty="0"/>
+              <a:rPr lang="de-DE" sz="1200" dirty="0">
+                <a:latin typeface="Arial" panose="020B0604020202020204" pitchFamily="34" charset="0"/>
+                <a:cs typeface="Arial" panose="020B0604020202020204" pitchFamily="34" charset="0"/>
+              </a:rPr>
               <a:t>Nicht: Psychotest  aus Publikumszeitschrift</a:t>
             </a:r>
           </a:p>
@@ -7142,27 +7359,30 @@
               <a:buAutoNum type="arabicPeriod"/>
             </a:pPr>
             <a:r>
-              <a:rPr lang="de-DE" sz="1100" b="1" dirty="0"/>
+              <a:rPr lang="de-DE" sz="1200" b="1" dirty="0">
+                <a:solidFill>
+                  <a:schemeClr val="tx1"/>
+                </a:solidFill>
+              </a:rPr>
               <a:t>Wissenschafts- und Forschungsethik: </a:t>
             </a:r>
             <a:r>
-              <a:rPr lang="de-DE" sz="1100" dirty="0"/>
+              <a:rPr lang="de-DE" sz="1200" dirty="0">
+                <a:solidFill>
+                  <a:schemeClr val="tx1"/>
+                </a:solidFill>
+              </a:rPr>
               <a:t>befolgen von ethischen Regeln</a:t>
             </a:r>
           </a:p>
           <a:p>
             <a:pPr marL="857250" lvl="1" indent="-457200"/>
             <a:r>
-              <a:rPr lang="de-DE" sz="1400" dirty="0"/>
-              <a:t> z.B. Daten </a:t>
-            </a:r>
-            <a:r>
-              <a:rPr lang="de-DE" sz="1400" dirty="0" err="1"/>
-              <a:t>manipulation</a:t>
-            </a:r>
-            <a:r>
-              <a:rPr lang="de-DE" sz="1400" dirty="0"/>
-              <a:t>, Ideen stehlen, Interessenskonflikte</a:t>
+              <a:rPr lang="de-DE" sz="1200" dirty="0">
+                <a:latin typeface="Arial" panose="020B0604020202020204" pitchFamily="34" charset="0"/>
+                <a:cs typeface="Arial" panose="020B0604020202020204" pitchFamily="34" charset="0"/>
+              </a:rPr>
+              <a:t> z.B. Daten Manipulation, Ideen stehlen, Interessenskonflikte</a:t>
             </a:r>
           </a:p>
           <a:p>
@@ -7171,11 +7391,19 @@
               <a:buAutoNum type="arabicPeriod"/>
             </a:pPr>
             <a:r>
-              <a:rPr lang="de-DE" sz="1100" b="1" dirty="0"/>
+              <a:rPr lang="de-DE" sz="1200" b="1" dirty="0">
+                <a:solidFill>
+                  <a:schemeClr val="tx1"/>
+                </a:solidFill>
+              </a:rPr>
               <a:t>Dokumentation des Forschungsprojektes: </a:t>
             </a:r>
             <a:r>
-              <a:rPr lang="de-DE" sz="1100" dirty="0"/>
+              <a:rPr lang="de-DE" sz="1200" dirty="0">
+                <a:solidFill>
+                  <a:schemeClr val="tx1"/>
+                </a:solidFill>
+              </a:rPr>
               <a:t>intersubjektiv nachvollziehbar und replizierbar</a:t>
             </a:r>
           </a:p>
@@ -7183,46 +7411,40 @@
             <a:pPr marL="0" lvl="0" indent="0">
               <a:buNone/>
             </a:pPr>
-            <a:endParaRPr lang="de-DE" sz="1100" dirty="0"/>
-          </a:p>
-          <a:p>
-            <a:pPr lvl="0">
-              <a:buFont typeface="Wingdings" panose="05000000000000000000" pitchFamily="2" charset="2"/>
-              <a:buChar char="à"/>
-            </a:pPr>
-            <a:r>
-              <a:rPr lang="de-DE" sz="1100" dirty="0">
+            <a:endParaRPr lang="de-DE" sz="1200" dirty="0">
+              <a:solidFill>
+                <a:schemeClr val="tx1"/>
+              </a:solidFill>
+            </a:endParaRPr>
+          </a:p>
+          <a:p>
+            <a:r>
+              <a:rPr lang="de-DE" sz="1200" dirty="0">
+                <a:solidFill>
+                  <a:schemeClr val="tx1"/>
+                </a:solidFill>
                 <a:sym typeface="Wingdings" panose="05000000000000000000" pitchFamily="2" charset="2"/>
               </a:rPr>
               <a:t>Kategorial: ja oder nein!</a:t>
             </a:r>
           </a:p>
           <a:p>
-            <a:pPr lvl="0">
-              <a:buFont typeface="Wingdings" panose="05000000000000000000" pitchFamily="2" charset="2"/>
-              <a:buChar char="à"/>
-            </a:pPr>
-            <a:endParaRPr lang="de-DE" sz="1100" dirty="0">
-              <a:sym typeface="Wingdings" panose="05000000000000000000" pitchFamily="2" charset="2"/>
-            </a:endParaRPr>
-          </a:p>
-          <a:p>
-            <a:pPr lvl="0">
-              <a:buFont typeface="Wingdings" panose="05000000000000000000" pitchFamily="2" charset="2"/>
-              <a:buChar char="à"/>
-            </a:pPr>
-            <a:r>
-              <a:rPr lang="de-DE" sz="1100" dirty="0"/>
+            <a:r>
+              <a:rPr lang="de-DE" sz="1200" dirty="0">
+                <a:solidFill>
+                  <a:schemeClr val="tx1"/>
+                </a:solidFill>
+              </a:rPr>
               <a:t>Pseudowissenschaft: Impfgegner, Klimaskeptiker, Homöopathie, pseudowissenschaftlicher Psychotherapie  </a:t>
             </a:r>
           </a:p>
           <a:p>
-            <a:pPr lvl="0">
-              <a:buFont typeface="Wingdings" panose="05000000000000000000" pitchFamily="2" charset="2"/>
-              <a:buChar char="à"/>
-            </a:pPr>
-            <a:r>
-              <a:rPr lang="de-DE" sz="1100" dirty="0"/>
+            <a:r>
+              <a:rPr lang="de-DE" sz="1200" dirty="0">
+                <a:solidFill>
+                  <a:schemeClr val="tx1"/>
+                </a:solidFill>
+              </a:rPr>
               <a:t>Parawissenschaft:  außersinnlicher Wahrnehmung, UFO</a:t>
             </a:r>
           </a:p>
@@ -7230,10 +7452,18 @@
             <a:pPr marL="0" indent="0">
               <a:buNone/>
             </a:pPr>
-            <a:endParaRPr lang="de-DE" sz="1100" dirty="0"/>
-          </a:p>
-          <a:p>
-            <a:endParaRPr lang="de-DE" sz="1100" dirty="0"/>
+            <a:endParaRPr lang="de-DE" sz="1200" dirty="0">
+              <a:solidFill>
+                <a:schemeClr val="tx1"/>
+              </a:solidFill>
+            </a:endParaRPr>
+          </a:p>
+          <a:p>
+            <a:endParaRPr lang="de-DE" sz="1200" dirty="0">
+              <a:solidFill>
+                <a:schemeClr val="tx1"/>
+              </a:solidFill>
+            </a:endParaRPr>
           </a:p>
         </p:txBody>
       </p:sp>
